--- a/snow crab/documents/Population Model.pptx
+++ b/snow crab/documents/Population Model.pptx
@@ -129,7 +129,7 @@
   </p:defaultTextStyle>
   <p:extLst>
     <p:ext uri="{EFAFB233-063F-42B5-8137-9DF3F51BA10A}">
-      <p15:sldGuideLst xmlns:p15="http://schemas.microsoft.com/office/powerpoint/2012/main" xmlns="">
+      <p15:sldGuideLst xmlns="" xmlns:p15="http://schemas.microsoft.com/office/powerpoint/2012/main">
         <p15:guide id="1" orient="horz" pos="2160">
           <p15:clr>
             <a:srgbClr val="A4A3A4"/>
@@ -228,7 +228,7 @@
           <a:p>
             <a:fld id="{20820833-0B4B-944C-BE1D-41D4458C9006}" type="datetimeFigureOut">
               <a:rPr lang="en-US" smtClean="0"/>
-              <a:t>21-02-03</a:t>
+              <a:t>21-02-10</a:t>
             </a:fld>
             <a:endParaRPr lang="en-US"/>
           </a:p>
@@ -393,7 +393,7 @@
           <a:p>
             <a:fld id="{237696C7-E4BF-8147-9110-634F7DFB9847}" type="datetimeFigureOut">
               <a:rPr lang="en-US" smtClean="0"/>
-              <a:t>21-02-03</a:t>
+              <a:t>21-02-10</a:t>
             </a:fld>
             <a:endParaRPr lang="en-US"/>
           </a:p>
@@ -799,127 +799,266 @@
           <a:bodyPr/>
           <a:lstStyle/>
           <a:p>
+            <a:pPr marL="171450" indent="-171450">
+              <a:buFont typeface="Arial"/>
+              <a:buChar char="•"/>
+            </a:pPr>
+            <a:r>
+              <a:rPr lang="fr-CA" dirty="0" err="1" smtClean="0"/>
+              <a:t>Females</a:t>
+            </a:r>
+            <a:r>
+              <a:rPr lang="fr-CA" dirty="0" smtClean="0"/>
+              <a:t> </a:t>
+            </a:r>
+            <a:r>
+              <a:rPr lang="fr-CA" dirty="0" smtClean="0"/>
+              <a:t>as</a:t>
+            </a:r>
+            <a:r>
+              <a:rPr lang="fr-CA" baseline="0" dirty="0" smtClean="0"/>
+              <a:t> a group are </a:t>
+            </a:r>
+            <a:r>
+              <a:rPr lang="fr-CA" baseline="0" dirty="0" err="1" smtClean="0"/>
+              <a:t>simpler</a:t>
+            </a:r>
+            <a:r>
+              <a:rPr lang="fr-CA" baseline="0" dirty="0" smtClean="0"/>
+              <a:t> to model, </a:t>
+            </a:r>
+            <a:r>
+              <a:rPr lang="fr-CA" baseline="0" dirty="0" err="1" smtClean="0"/>
+              <a:t>with</a:t>
+            </a:r>
+            <a:r>
+              <a:rPr lang="fr-CA" baseline="0" dirty="0" smtClean="0"/>
+              <a:t> no </a:t>
+            </a:r>
+            <a:r>
+              <a:rPr lang="fr-CA" baseline="0" dirty="0" err="1" smtClean="0"/>
+              <a:t>fishery</a:t>
+            </a:r>
+            <a:r>
+              <a:rPr lang="fr-CA" baseline="0" dirty="0" smtClean="0"/>
+              <a:t> </a:t>
+            </a:r>
+            <a:r>
+              <a:rPr lang="fr-CA" baseline="0" dirty="0" err="1" smtClean="0"/>
+              <a:t>effects</a:t>
+            </a:r>
+            <a:r>
+              <a:rPr lang="fr-CA" baseline="0" dirty="0" smtClean="0"/>
+              <a:t>, </a:t>
+            </a:r>
+            <a:r>
+              <a:rPr lang="fr-CA" baseline="0" dirty="0" err="1" smtClean="0"/>
+              <a:t>neglible</a:t>
+            </a:r>
+            <a:r>
+              <a:rPr lang="fr-CA" baseline="0" dirty="0" smtClean="0"/>
+              <a:t> skip-</a:t>
+            </a:r>
+            <a:r>
+              <a:rPr lang="fr-CA" baseline="0" dirty="0" err="1" smtClean="0"/>
+              <a:t>moulting</a:t>
+            </a:r>
+            <a:r>
+              <a:rPr lang="fr-CA" baseline="0" dirty="0" smtClean="0"/>
+              <a:t> and </a:t>
+            </a:r>
+            <a:r>
+              <a:rPr lang="fr-CA" baseline="0" dirty="0" err="1" smtClean="0"/>
+              <a:t>fewer</a:t>
+            </a:r>
+            <a:r>
+              <a:rPr lang="fr-CA" baseline="0" dirty="0" smtClean="0"/>
+              <a:t> instars </a:t>
+            </a:r>
+            <a:r>
+              <a:rPr lang="fr-CA" baseline="0" dirty="0" err="1" smtClean="0"/>
+              <a:t>with</a:t>
+            </a:r>
+            <a:r>
+              <a:rPr lang="fr-CA" baseline="0" dirty="0" smtClean="0"/>
+              <a:t> more </a:t>
+            </a:r>
+            <a:r>
+              <a:rPr lang="fr-CA" baseline="0" dirty="0" err="1" smtClean="0"/>
+              <a:t>clearly</a:t>
+            </a:r>
+            <a:r>
+              <a:rPr lang="fr-CA" baseline="0" dirty="0" smtClean="0"/>
+              <a:t> identifiable modes.</a:t>
+            </a:r>
+          </a:p>
+          <a:p>
+            <a:pPr marL="0" indent="0">
+              <a:buFont typeface="Arial" panose="020B0604020202020204" pitchFamily="34" charset="0"/>
+              <a:buNone/>
+            </a:pPr>
+            <a:endParaRPr lang="fr-CA" dirty="0" smtClean="0"/>
+          </a:p>
+          <a:p>
+            <a:pPr marL="171450" indent="-171450">
+              <a:buFont typeface="Arial"/>
+              <a:buChar char="•"/>
+            </a:pPr>
+            <a:r>
+              <a:rPr lang="fr-CA" dirty="0" err="1" smtClean="0"/>
+              <a:t>Fewer</a:t>
+            </a:r>
+            <a:r>
+              <a:rPr lang="fr-CA" dirty="0" smtClean="0"/>
+              <a:t> </a:t>
+            </a:r>
+            <a:r>
+              <a:rPr lang="fr-CA" dirty="0" smtClean="0"/>
+              <a:t>instars (</a:t>
+            </a:r>
+            <a:r>
+              <a:rPr lang="fr-CA" dirty="0" err="1" smtClean="0"/>
+              <a:t>smaller</a:t>
+            </a:r>
+            <a:r>
+              <a:rPr lang="fr-CA" dirty="0" smtClean="0"/>
+              <a:t> size</a:t>
+            </a:r>
+            <a:r>
+              <a:rPr lang="fr-CA" dirty="0" smtClean="0"/>
+              <a:t>)</a:t>
+            </a:r>
+          </a:p>
+          <a:p>
+            <a:pPr marL="171450" indent="-171450">
+              <a:buFont typeface="Arial"/>
+              <a:buChar char="•"/>
+            </a:pPr>
+            <a:endParaRPr lang="fr-CA" dirty="0" smtClean="0"/>
+          </a:p>
+          <a:p>
+            <a:pPr marL="0" indent="0">
+              <a:buFont typeface="Arial" panose="020B0604020202020204" pitchFamily="34" charset="0"/>
+              <a:buNone/>
+            </a:pPr>
+            <a:r>
+              <a:rPr lang="fr-CA" dirty="0" smtClean="0"/>
+              <a:t>Instars </a:t>
+            </a:r>
+            <a:r>
+              <a:rPr lang="fr-CA" dirty="0" err="1" smtClean="0"/>
+              <a:t>well-characterized</a:t>
+            </a:r>
+            <a:r>
+              <a:rPr lang="fr-CA" dirty="0" smtClean="0"/>
+              <a:t>.</a:t>
+            </a:r>
+          </a:p>
+          <a:p>
             <a:pPr marL="285750" indent="-285750">
               <a:buFont typeface="Arial" panose="020B0604020202020204" pitchFamily="34" charset="0"/>
               <a:buChar char="•"/>
             </a:pPr>
             <a:r>
               <a:rPr lang="fr-CA" dirty="0" err="1" smtClean="0"/>
-              <a:t>Females</a:t>
+              <a:t>Recruitment</a:t>
             </a:r>
             <a:r>
               <a:rPr lang="fr-CA" dirty="0" smtClean="0"/>
-              <a:t> are </a:t>
+              <a:t> </a:t>
             </a:r>
             <a:r>
               <a:rPr lang="fr-CA" dirty="0" err="1" smtClean="0"/>
-              <a:t>simpler</a:t>
-            </a:r>
-            <a:endParaRPr lang="fr-CA" dirty="0" smtClean="0"/>
+              <a:t>reasonably</a:t>
+            </a:r>
+            <a:r>
+              <a:rPr lang="fr-CA" dirty="0" smtClean="0"/>
+              <a:t> </a:t>
+            </a:r>
+            <a:r>
+              <a:rPr lang="fr-CA" dirty="0" err="1" smtClean="0"/>
+              <a:t>well-</a:t>
+            </a:r>
+            <a:r>
+              <a:rPr lang="fr-CA" dirty="0" err="1" smtClean="0"/>
+              <a:t>predicted</a:t>
+            </a:r>
+            <a:r>
+              <a:rPr lang="fr-CA" dirty="0" smtClean="0"/>
+              <a:t>, </a:t>
+            </a:r>
+            <a:r>
+              <a:rPr lang="fr-CA" dirty="0" err="1" smtClean="0"/>
+              <a:t>despite</a:t>
+            </a:r>
+            <a:r>
+              <a:rPr lang="fr-CA" dirty="0" smtClean="0"/>
+              <a:t> </a:t>
+            </a:r>
+            <a:r>
+              <a:rPr lang="fr-CA" dirty="0" err="1" smtClean="0"/>
+              <a:t>having</a:t>
+            </a:r>
+            <a:r>
+              <a:rPr lang="fr-CA" dirty="0" smtClean="0"/>
+              <a:t> not</a:t>
+            </a:r>
+            <a:r>
+              <a:rPr lang="fr-CA" baseline="0" dirty="0" smtClean="0"/>
+              <a:t> </a:t>
+            </a:r>
+            <a:r>
+              <a:rPr lang="fr-CA" baseline="0" dirty="0" err="1" smtClean="0"/>
+              <a:t>having</a:t>
+            </a:r>
+            <a:r>
+              <a:rPr lang="fr-CA" baseline="0" dirty="0" smtClean="0"/>
+              <a:t> matures </a:t>
+            </a:r>
+            <a:r>
+              <a:rPr lang="fr-CA" baseline="0" dirty="0" err="1" smtClean="0"/>
+              <a:t>separated</a:t>
+            </a:r>
+            <a:r>
+              <a:rPr lang="fr-CA" baseline="0" dirty="0" smtClean="0"/>
+              <a:t> by </a:t>
+            </a:r>
+            <a:r>
+              <a:rPr lang="fr-CA" baseline="0" dirty="0" err="1" smtClean="0"/>
+              <a:t>recruitment</a:t>
+            </a:r>
+            <a:r>
+              <a:rPr lang="fr-CA" baseline="0" dirty="0" smtClean="0"/>
+              <a:t> and </a:t>
+            </a:r>
+            <a:r>
+              <a:rPr lang="fr-CA" baseline="0" dirty="0" err="1" smtClean="0"/>
+              <a:t>older</a:t>
+            </a:r>
+            <a:r>
+              <a:rPr lang="fr-CA" baseline="0" dirty="0" smtClean="0"/>
+              <a:t> matures in the input data</a:t>
+            </a:r>
           </a:p>
           <a:p>
             <a:pPr marL="285750" indent="-285750">
               <a:buFont typeface="Arial" panose="020B0604020202020204" pitchFamily="34" charset="0"/>
               <a:buChar char="•"/>
             </a:pPr>
-            <a:r>
-              <a:rPr lang="fr-CA" dirty="0" smtClean="0"/>
-              <a:t>No skip-</a:t>
-            </a:r>
-            <a:r>
-              <a:rPr lang="fr-CA" dirty="0" err="1" smtClean="0"/>
-              <a:t>moulting</a:t>
-            </a:r>
-            <a:endParaRPr lang="fr-CA" dirty="0" smtClean="0"/>
+            <a:endParaRPr lang="fr-CA" baseline="0" dirty="0" smtClean="0"/>
           </a:p>
           <a:p>
             <a:pPr marL="285750" indent="-285750">
               <a:buFont typeface="Arial" panose="020B0604020202020204" pitchFamily="34" charset="0"/>
               <a:buChar char="•"/>
             </a:pPr>
-            <a:r>
-              <a:rPr lang="fr-CA" dirty="0" smtClean="0"/>
-              <a:t>No </a:t>
-            </a:r>
-            <a:r>
-              <a:rPr lang="fr-CA" dirty="0" err="1" smtClean="0"/>
-              <a:t>fishing</a:t>
-            </a:r>
-            <a:r>
-              <a:rPr lang="fr-CA" dirty="0" smtClean="0"/>
-              <a:t> </a:t>
-            </a:r>
-            <a:r>
-              <a:rPr lang="fr-CA" dirty="0" err="1" smtClean="0"/>
-              <a:t>effects</a:t>
-            </a:r>
-            <a:endParaRPr lang="fr-CA" dirty="0" smtClean="0"/>
-          </a:p>
-          <a:p>
-            <a:pPr marL="285750" indent="-285750">
+            <a:endParaRPr lang="fr-CA" baseline="0" dirty="0" smtClean="0"/>
+          </a:p>
+          <a:p>
+            <a:pPr marL="0" indent="0">
               <a:buFont typeface="Arial" panose="020B0604020202020204" pitchFamily="34" charset="0"/>
-              <a:buChar char="•"/>
+              <a:buNone/>
             </a:pPr>
-            <a:r>
-              <a:rPr lang="fr-CA" dirty="0" err="1" smtClean="0"/>
-              <a:t>Fewer</a:t>
-            </a:r>
-            <a:r>
-              <a:rPr lang="fr-CA" dirty="0" smtClean="0"/>
-              <a:t> instars (</a:t>
-            </a:r>
-            <a:r>
-              <a:rPr lang="fr-CA" dirty="0" err="1" smtClean="0"/>
-              <a:t>smaller</a:t>
-            </a:r>
-            <a:r>
-              <a:rPr lang="fr-CA" dirty="0" smtClean="0"/>
-              <a:t> size)</a:t>
-            </a:r>
-          </a:p>
-          <a:p>
-            <a:pPr marL="285750" indent="-285750">
-              <a:buFont typeface="Arial" panose="020B0604020202020204" pitchFamily="34" charset="0"/>
-              <a:buChar char="•"/>
-            </a:pPr>
-            <a:r>
-              <a:rPr lang="fr-CA" dirty="0" smtClean="0"/>
-              <a:t>Instars </a:t>
-            </a:r>
-            <a:r>
-              <a:rPr lang="fr-CA" dirty="0" err="1" smtClean="0"/>
-              <a:t>well-characterized</a:t>
-            </a:r>
-            <a:r>
-              <a:rPr lang="fr-CA" dirty="0" smtClean="0"/>
-              <a:t>.</a:t>
-            </a:r>
-          </a:p>
-          <a:p>
-            <a:pPr marL="285750" indent="-285750">
-              <a:buFont typeface="Arial" panose="020B0604020202020204" pitchFamily="34" charset="0"/>
-              <a:buChar char="•"/>
-            </a:pPr>
-            <a:r>
-              <a:rPr lang="fr-CA" dirty="0" err="1" smtClean="0"/>
-              <a:t>Recruitment</a:t>
-            </a:r>
-            <a:r>
-              <a:rPr lang="fr-CA" dirty="0" smtClean="0"/>
-              <a:t> </a:t>
-            </a:r>
-            <a:r>
-              <a:rPr lang="fr-CA" dirty="0" err="1" smtClean="0"/>
-              <a:t>reasonably</a:t>
-            </a:r>
-            <a:r>
-              <a:rPr lang="fr-CA" dirty="0" smtClean="0"/>
-              <a:t> </a:t>
-            </a:r>
-            <a:r>
-              <a:rPr lang="fr-CA" dirty="0" err="1" smtClean="0"/>
-              <a:t>well-predicted</a:t>
-            </a:r>
             <a:endParaRPr lang="fr-CA" dirty="0" smtClean="0"/>
           </a:p>
           <a:p>
@@ -1007,260 +1146,6 @@
           <a:bodyPr/>
           <a:lstStyle/>
           <a:p>
-            <a:pPr marL="285750" indent="-285750">
-              <a:buFont typeface="Arial"/>
-              <a:buChar char="•"/>
-            </a:pPr>
-            <a:r>
-              <a:rPr lang="en-US" dirty="0" smtClean="0">
-                <a:solidFill>
-                  <a:schemeClr val="bg1"/>
-                </a:solidFill>
-              </a:rPr>
-              <a:t>Relative to 2020.</a:t>
-            </a:r>
-          </a:p>
-          <a:p>
-            <a:pPr marL="285750" indent="-285750">
-              <a:buFont typeface="Arial"/>
-              <a:buChar char="•"/>
-            </a:pPr>
-            <a:r>
-              <a:rPr lang="en-US" dirty="0" smtClean="0">
-                <a:solidFill>
-                  <a:schemeClr val="bg1"/>
-                </a:solidFill>
-              </a:rPr>
-              <a:t>Treated as global year effects.</a:t>
-            </a:r>
-          </a:p>
-          <a:p>
-            <a:pPr marL="285750" indent="-285750">
-              <a:buFont typeface="Arial"/>
-              <a:buChar char="•"/>
-            </a:pPr>
-            <a:r>
-              <a:rPr lang="en-US" dirty="0" smtClean="0">
-                <a:solidFill>
-                  <a:schemeClr val="bg1"/>
-                </a:solidFill>
-              </a:rPr>
-              <a:t>Jean Mathieu is associated with lower levels.</a:t>
-            </a:r>
-          </a:p>
-          <a:p>
-            <a:pPr marL="285750" indent="-285750">
-              <a:buFont typeface="Arial"/>
-              <a:buChar char="•"/>
-            </a:pPr>
-            <a:r>
-              <a:rPr lang="en-US" dirty="0" smtClean="0">
-                <a:solidFill>
-                  <a:schemeClr val="bg1"/>
-                </a:solidFill>
-              </a:rPr>
-              <a:t>Jean Mathieu shows increasing </a:t>
-            </a:r>
-            <a:r>
-              <a:rPr lang="en-US" dirty="0" err="1" smtClean="0">
-                <a:solidFill>
-                  <a:schemeClr val="bg1"/>
-                </a:solidFill>
-              </a:rPr>
-              <a:t>catchability</a:t>
-            </a:r>
-            <a:r>
-              <a:rPr lang="en-US" dirty="0" smtClean="0">
-                <a:solidFill>
-                  <a:schemeClr val="bg1"/>
-                </a:solidFill>
-              </a:rPr>
-              <a:t> trend.</a:t>
-            </a:r>
-          </a:p>
-          <a:p>
-            <a:endParaRPr lang="en-US" dirty="0" smtClean="0"/>
-          </a:p>
-          <a:p>
-            <a:r>
-              <a:rPr lang="fr-CA" dirty="0" err="1" smtClean="0"/>
-              <a:t>Though</a:t>
-            </a:r>
-            <a:r>
-              <a:rPr lang="fr-CA" dirty="0" smtClean="0"/>
-              <a:t> </a:t>
-            </a:r>
-            <a:r>
-              <a:rPr lang="fr-CA" dirty="0" err="1" smtClean="0"/>
-              <a:t>decreases</a:t>
-            </a:r>
-            <a:r>
-              <a:rPr lang="fr-CA" dirty="0" smtClean="0"/>
-              <a:t> in </a:t>
-            </a:r>
-            <a:r>
-              <a:rPr lang="fr-CA" dirty="0" err="1" smtClean="0"/>
-              <a:t>year</a:t>
-            </a:r>
-            <a:r>
-              <a:rPr lang="fr-CA" dirty="0" smtClean="0"/>
-              <a:t> </a:t>
-            </a:r>
-            <a:r>
-              <a:rPr lang="fr-CA" dirty="0" err="1" smtClean="0"/>
-              <a:t>effect</a:t>
-            </a:r>
-            <a:r>
-              <a:rPr lang="fr-CA" dirty="0" smtClean="0"/>
-              <a:t> </a:t>
-            </a:r>
-            <a:r>
-              <a:rPr lang="fr-CA" dirty="0" err="1" smtClean="0"/>
-              <a:t>can</a:t>
-            </a:r>
-            <a:r>
-              <a:rPr lang="fr-CA" dirty="0" smtClean="0"/>
-              <a:t> </a:t>
-            </a:r>
-            <a:r>
-              <a:rPr lang="fr-CA" dirty="0" err="1" smtClean="0"/>
-              <a:t>be</a:t>
-            </a:r>
-            <a:r>
-              <a:rPr lang="fr-CA" dirty="0" smtClean="0"/>
-              <a:t> </a:t>
-            </a:r>
-            <a:r>
-              <a:rPr lang="fr-CA" dirty="0" err="1" smtClean="0"/>
-              <a:t>explained</a:t>
-            </a:r>
-            <a:r>
-              <a:rPr lang="fr-CA" dirty="0" smtClean="0"/>
-              <a:t> by an </a:t>
-            </a:r>
-            <a:r>
-              <a:rPr lang="fr-CA" dirty="0" err="1" smtClean="0"/>
-              <a:t>increase</a:t>
-            </a:r>
-            <a:r>
-              <a:rPr lang="fr-CA" dirty="0" smtClean="0"/>
-              <a:t> in </a:t>
-            </a:r>
-            <a:r>
-              <a:rPr lang="fr-CA" dirty="0" err="1" smtClean="0"/>
-              <a:t>mortality</a:t>
-            </a:r>
-            <a:r>
-              <a:rPr lang="fr-CA" dirty="0" smtClean="0"/>
-              <a:t> for all sizes, </a:t>
-            </a:r>
-          </a:p>
-          <a:p>
-            <a:r>
-              <a:rPr lang="fr-CA" dirty="0" err="1" smtClean="0"/>
-              <a:t>increases</a:t>
-            </a:r>
-            <a:r>
-              <a:rPr lang="fr-CA" dirty="0" smtClean="0"/>
-              <a:t> </a:t>
-            </a:r>
-            <a:r>
-              <a:rPr lang="fr-CA" dirty="0" err="1" smtClean="0"/>
-              <a:t>such</a:t>
-            </a:r>
-            <a:r>
-              <a:rPr lang="fr-CA" dirty="0" smtClean="0"/>
-              <a:t> as </a:t>
-            </a:r>
-            <a:r>
-              <a:rPr lang="fr-CA" dirty="0" err="1" smtClean="0"/>
-              <a:t>that</a:t>
-            </a:r>
-            <a:r>
-              <a:rPr lang="fr-CA" dirty="0" smtClean="0"/>
-              <a:t> </a:t>
-            </a:r>
-            <a:r>
-              <a:rPr lang="fr-CA" dirty="0" err="1" smtClean="0"/>
-              <a:t>observed</a:t>
-            </a:r>
-            <a:r>
-              <a:rPr lang="fr-CA" dirty="0" smtClean="0"/>
-              <a:t> in 2019 </a:t>
-            </a:r>
-            <a:r>
-              <a:rPr lang="fr-CA" dirty="0" err="1" smtClean="0"/>
-              <a:t>strongly</a:t>
-            </a:r>
-            <a:r>
-              <a:rPr lang="fr-CA" dirty="0" smtClean="0"/>
-              <a:t> signal an </a:t>
-            </a:r>
-            <a:r>
-              <a:rPr lang="fr-CA" dirty="0" err="1" smtClean="0"/>
-              <a:t>increase</a:t>
-            </a:r>
-            <a:r>
-              <a:rPr lang="fr-CA" dirty="0" smtClean="0"/>
-              <a:t> in </a:t>
-            </a:r>
-            <a:r>
-              <a:rPr lang="fr-CA" dirty="0" err="1" smtClean="0"/>
-              <a:t>catchability</a:t>
-            </a:r>
-            <a:r>
-              <a:rPr lang="fr-CA" dirty="0" smtClean="0"/>
-              <a:t>.</a:t>
-            </a:r>
-            <a:endParaRPr lang="en-CA" dirty="0" smtClean="0"/>
-          </a:p>
-          <a:p>
-            <a:endParaRPr lang="en-US" dirty="0" smtClean="0"/>
-          </a:p>
-          <a:p>
-            <a:pPr marL="0" marR="0" indent="0" algn="l" defTabSz="457200" rtl="0" eaLnBrk="1" fontAlgn="auto" latinLnBrk="0" hangingPunct="1">
-              <a:lnSpc>
-                <a:spcPct val="100000"/>
-              </a:lnSpc>
-              <a:spcBef>
-                <a:spcPts val="0"/>
-              </a:spcBef>
-              <a:spcAft>
-                <a:spcPts val="0"/>
-              </a:spcAft>
-              <a:buClrTx/>
-              <a:buSzTx/>
-              <a:buFontTx/>
-              <a:buNone/>
-              <a:tabLst/>
-              <a:defRPr/>
-            </a:pPr>
-            <a:r>
-              <a:rPr lang="en-US" dirty="0" smtClean="0">
-                <a:solidFill>
-                  <a:schemeClr val="bg1"/>
-                </a:solidFill>
-              </a:rPr>
-              <a:t>Marco Michel (2006-2012) and Avalon Voyager II (2019-2020) </a:t>
-            </a:r>
-            <a:r>
-              <a:rPr lang="en-US" i="1" dirty="0" smtClean="0">
-                <a:solidFill>
-                  <a:schemeClr val="bg1"/>
-                </a:solidFill>
-              </a:rPr>
-              <a:t>seem</a:t>
-            </a:r>
-            <a:r>
-              <a:rPr lang="en-US" dirty="0" smtClean="0">
-                <a:solidFill>
-                  <a:schemeClr val="bg1"/>
-                </a:solidFill>
-              </a:rPr>
-              <a:t> to have comparable levels, but changes across a wide time interval are probably unreliable.</a:t>
-            </a:r>
-          </a:p>
-          <a:p>
             <a:endParaRPr lang="en-US" dirty="0"/>
           </a:p>
         </p:txBody>
@@ -1282,7 +1167,7 @@
           <a:p>
             <a:fld id="{9CAE947A-4681-AE4E-B108-76091BED1CFD}" type="slidenum">
               <a:rPr lang="en-US" smtClean="0"/>
-              <a:t>14</a:t>
+              <a:t>13</a:t>
             </a:fld>
             <a:endParaRPr lang="en-US"/>
           </a:p>
@@ -1291,7 +1176,7 @@
     </p:spTree>
     <p:extLst>
       <p:ext uri="{BB962C8B-B14F-4D97-AF65-F5344CB8AC3E}">
-        <p14:creationId xmlns:p14="http://schemas.microsoft.com/office/powerpoint/2010/main" val="743093060"/>
+        <p14:creationId xmlns:p14="http://schemas.microsoft.com/office/powerpoint/2010/main" val="2206289073"/>
       </p:ext>
     </p:extLst>
   </p:cSld>
@@ -1345,6 +1230,217 @@
           <a:bodyPr/>
           <a:lstStyle/>
           <a:p>
+            <a:pPr marL="285750" indent="-285750">
+              <a:buFont typeface="Arial"/>
+              <a:buChar char="•"/>
+            </a:pPr>
+            <a:r>
+              <a:rPr lang="en-US" dirty="0" smtClean="0">
+                <a:solidFill>
+                  <a:schemeClr val="bg1"/>
+                </a:solidFill>
+              </a:rPr>
+              <a:t>Relative to 2020.</a:t>
+            </a:r>
+          </a:p>
+          <a:p>
+            <a:pPr marL="285750" indent="-285750">
+              <a:buFont typeface="Arial"/>
+              <a:buChar char="•"/>
+            </a:pPr>
+            <a:r>
+              <a:rPr lang="en-US" dirty="0" smtClean="0">
+                <a:solidFill>
+                  <a:schemeClr val="bg1"/>
+                </a:solidFill>
+              </a:rPr>
+              <a:t>Treated as global year effects.</a:t>
+            </a:r>
+          </a:p>
+          <a:p>
+            <a:pPr marL="285750" indent="-285750">
+              <a:buFont typeface="Arial"/>
+              <a:buChar char="•"/>
+            </a:pPr>
+            <a:r>
+              <a:rPr lang="en-US" dirty="0" smtClean="0">
+                <a:solidFill>
+                  <a:schemeClr val="bg1"/>
+                </a:solidFill>
+              </a:rPr>
+              <a:t>Jean Mathieu is associated with lower levels.</a:t>
+            </a:r>
+          </a:p>
+          <a:p>
+            <a:pPr marL="285750" indent="-285750">
+              <a:buFont typeface="Arial"/>
+              <a:buChar char="•"/>
+            </a:pPr>
+            <a:r>
+              <a:rPr lang="en-US" dirty="0" smtClean="0">
+                <a:solidFill>
+                  <a:schemeClr val="bg1"/>
+                </a:solidFill>
+              </a:rPr>
+              <a:t>Jean Mathieu shows increasing </a:t>
+            </a:r>
+            <a:r>
+              <a:rPr lang="en-US" dirty="0" err="1" smtClean="0">
+                <a:solidFill>
+                  <a:schemeClr val="bg1"/>
+                </a:solidFill>
+              </a:rPr>
+              <a:t>catchability</a:t>
+            </a:r>
+            <a:r>
+              <a:rPr lang="en-US" dirty="0" smtClean="0">
+                <a:solidFill>
+                  <a:schemeClr val="bg1"/>
+                </a:solidFill>
+              </a:rPr>
+              <a:t> trend.</a:t>
+            </a:r>
+          </a:p>
+          <a:p>
+            <a:endParaRPr lang="en-US" dirty="0" smtClean="0"/>
+          </a:p>
+          <a:p>
+            <a:r>
+              <a:rPr lang="fr-CA" dirty="0" err="1" smtClean="0"/>
+              <a:t>Though</a:t>
+            </a:r>
+            <a:r>
+              <a:rPr lang="fr-CA" dirty="0" smtClean="0"/>
+              <a:t> </a:t>
+            </a:r>
+            <a:r>
+              <a:rPr lang="fr-CA" dirty="0" err="1" smtClean="0"/>
+              <a:t>decreases</a:t>
+            </a:r>
+            <a:r>
+              <a:rPr lang="fr-CA" dirty="0" smtClean="0"/>
+              <a:t> in </a:t>
+            </a:r>
+            <a:r>
+              <a:rPr lang="fr-CA" dirty="0" err="1" smtClean="0"/>
+              <a:t>year</a:t>
+            </a:r>
+            <a:r>
+              <a:rPr lang="fr-CA" dirty="0" smtClean="0"/>
+              <a:t> </a:t>
+            </a:r>
+            <a:r>
+              <a:rPr lang="fr-CA" dirty="0" err="1" smtClean="0"/>
+              <a:t>effect</a:t>
+            </a:r>
+            <a:r>
+              <a:rPr lang="fr-CA" dirty="0" smtClean="0"/>
+              <a:t> </a:t>
+            </a:r>
+            <a:r>
+              <a:rPr lang="fr-CA" dirty="0" err="1" smtClean="0"/>
+              <a:t>can</a:t>
+            </a:r>
+            <a:r>
+              <a:rPr lang="fr-CA" dirty="0" smtClean="0"/>
+              <a:t> </a:t>
+            </a:r>
+            <a:r>
+              <a:rPr lang="fr-CA" dirty="0" err="1" smtClean="0"/>
+              <a:t>be</a:t>
+            </a:r>
+            <a:r>
+              <a:rPr lang="fr-CA" dirty="0" smtClean="0"/>
+              <a:t> </a:t>
+            </a:r>
+            <a:r>
+              <a:rPr lang="fr-CA" dirty="0" err="1" smtClean="0"/>
+              <a:t>explained</a:t>
+            </a:r>
+            <a:r>
+              <a:rPr lang="fr-CA" dirty="0" smtClean="0"/>
+              <a:t> by an </a:t>
+            </a:r>
+            <a:r>
+              <a:rPr lang="fr-CA" dirty="0" err="1" smtClean="0"/>
+              <a:t>increase</a:t>
+            </a:r>
+            <a:r>
+              <a:rPr lang="fr-CA" dirty="0" smtClean="0"/>
+              <a:t> in </a:t>
+            </a:r>
+            <a:r>
+              <a:rPr lang="fr-CA" dirty="0" err="1" smtClean="0"/>
+              <a:t>mortality</a:t>
+            </a:r>
+            <a:r>
+              <a:rPr lang="fr-CA" dirty="0" smtClean="0"/>
+              <a:t> for all sizes, </a:t>
+            </a:r>
+          </a:p>
+          <a:p>
+            <a:r>
+              <a:rPr lang="fr-CA" dirty="0" err="1" smtClean="0"/>
+              <a:t>increases</a:t>
+            </a:r>
+            <a:r>
+              <a:rPr lang="fr-CA" dirty="0" smtClean="0"/>
+              <a:t> </a:t>
+            </a:r>
+            <a:r>
+              <a:rPr lang="fr-CA" dirty="0" err="1" smtClean="0"/>
+              <a:t>such</a:t>
+            </a:r>
+            <a:r>
+              <a:rPr lang="fr-CA" dirty="0" smtClean="0"/>
+              <a:t> as </a:t>
+            </a:r>
+            <a:r>
+              <a:rPr lang="fr-CA" dirty="0" err="1" smtClean="0"/>
+              <a:t>that</a:t>
+            </a:r>
+            <a:r>
+              <a:rPr lang="fr-CA" dirty="0" smtClean="0"/>
+              <a:t> </a:t>
+            </a:r>
+            <a:r>
+              <a:rPr lang="fr-CA" dirty="0" err="1" smtClean="0"/>
+              <a:t>observed</a:t>
+            </a:r>
+            <a:r>
+              <a:rPr lang="fr-CA" dirty="0" smtClean="0"/>
+              <a:t> in 2019 </a:t>
+            </a:r>
+            <a:r>
+              <a:rPr lang="fr-CA" dirty="0" err="1" smtClean="0"/>
+              <a:t>strongly</a:t>
+            </a:r>
+            <a:r>
+              <a:rPr lang="fr-CA" dirty="0" smtClean="0"/>
+              <a:t> signal an </a:t>
+            </a:r>
+            <a:r>
+              <a:rPr lang="fr-CA" dirty="0" err="1" smtClean="0"/>
+              <a:t>increase</a:t>
+            </a:r>
+            <a:r>
+              <a:rPr lang="fr-CA" dirty="0" smtClean="0"/>
+              <a:t> in </a:t>
+            </a:r>
+            <a:r>
+              <a:rPr lang="fr-CA" dirty="0" err="1" smtClean="0"/>
+              <a:t>catchability</a:t>
+            </a:r>
+            <a:r>
+              <a:rPr lang="fr-CA" dirty="0" smtClean="0"/>
+              <a:t>.</a:t>
+            </a:r>
+            <a:endParaRPr lang="en-CA" dirty="0" smtClean="0"/>
+          </a:p>
+          <a:p>
+            <a:endParaRPr lang="en-US" dirty="0" smtClean="0"/>
+          </a:p>
+          <a:p>
             <a:pPr marL="0" marR="0" indent="0" algn="l" defTabSz="457200" rtl="0" eaLnBrk="1" fontAlgn="auto" latinLnBrk="0" hangingPunct="1">
               <a:lnSpc>
                 <a:spcPct val="100000"/>
@@ -1363,37 +1459,29 @@
               <a:defRPr/>
             </a:pPr>
             <a:r>
-              <a:rPr lang="en-US" dirty="0" smtClean="0"/>
-              <a:t>These are very similar, and they are supposed to,</a:t>
-            </a:r>
-          </a:p>
-          <a:p>
-            <a:pPr marL="0" marR="0" indent="0" algn="l" defTabSz="457200" rtl="0" eaLnBrk="1" fontAlgn="auto" latinLnBrk="0" hangingPunct="1">
-              <a:lnSpc>
-                <a:spcPct val="100000"/>
-              </a:lnSpc>
-              <a:spcBef>
-                <a:spcPts val="0"/>
-              </a:spcBef>
-              <a:spcAft>
-                <a:spcPts val="0"/>
-              </a:spcAft>
-              <a:buClrTx/>
-              <a:buSzTx/>
-              <a:buFontTx/>
-              <a:buNone/>
-              <a:tabLst/>
-              <a:defRPr/>
-            </a:pPr>
-            <a:r>
-              <a:rPr lang="en-US" dirty="0" smtClean="0"/>
-              <a:t>But differences</a:t>
-            </a:r>
-            <a:r>
-              <a:rPr lang="en-US" baseline="0" dirty="0" smtClean="0"/>
-              <a:t> reflect the different year effects from each sex.</a:t>
-            </a:r>
-            <a:endParaRPr lang="en-US" dirty="0" smtClean="0"/>
+              <a:rPr lang="en-US" dirty="0" smtClean="0">
+                <a:solidFill>
+                  <a:schemeClr val="bg1"/>
+                </a:solidFill>
+              </a:rPr>
+              <a:t>Marco Michel (2006-2012) and Avalon Voyager II (2019-2020) </a:t>
+            </a:r>
+            <a:r>
+              <a:rPr lang="en-US" i="1" dirty="0" smtClean="0">
+                <a:solidFill>
+                  <a:schemeClr val="bg1"/>
+                </a:solidFill>
+              </a:rPr>
+              <a:t>seem</a:t>
+            </a:r>
+            <a:r>
+              <a:rPr lang="en-US" dirty="0" smtClean="0">
+                <a:solidFill>
+                  <a:schemeClr val="bg1"/>
+                </a:solidFill>
+              </a:rPr>
+              <a:t> to have comparable levels, but changes across a wide time interval are probably unreliable.</a:t>
+            </a:r>
           </a:p>
           <a:p>
             <a:endParaRPr lang="en-US" dirty="0"/>
@@ -1417,7 +1505,7 @@
           <a:p>
             <a:fld id="{9CAE947A-4681-AE4E-B108-76091BED1CFD}" type="slidenum">
               <a:rPr lang="en-US" smtClean="0"/>
-              <a:t>15</a:t>
+              <a:t>14</a:t>
             </a:fld>
             <a:endParaRPr lang="en-US"/>
           </a:p>
@@ -1426,7 +1514,7 @@
     </p:spTree>
     <p:extLst>
       <p:ext uri="{BB962C8B-B14F-4D97-AF65-F5344CB8AC3E}">
-        <p14:creationId xmlns:p14="http://schemas.microsoft.com/office/powerpoint/2010/main" val="604986966"/>
+        <p14:creationId xmlns:p14="http://schemas.microsoft.com/office/powerpoint/2010/main" val="743093060"/>
       </p:ext>
     </p:extLst>
   </p:cSld>
@@ -1480,6 +1568,141 @@
           <a:bodyPr/>
           <a:lstStyle/>
           <a:p>
+            <a:pPr marL="0" marR="0" indent="0" algn="l" defTabSz="457200" rtl="0" eaLnBrk="1" fontAlgn="auto" latinLnBrk="0" hangingPunct="1">
+              <a:lnSpc>
+                <a:spcPct val="100000"/>
+              </a:lnSpc>
+              <a:spcBef>
+                <a:spcPts val="0"/>
+              </a:spcBef>
+              <a:spcAft>
+                <a:spcPts val="0"/>
+              </a:spcAft>
+              <a:buClrTx/>
+              <a:buSzTx/>
+              <a:buFontTx/>
+              <a:buNone/>
+              <a:tabLst/>
+              <a:defRPr/>
+            </a:pPr>
+            <a:r>
+              <a:rPr lang="en-US" dirty="0" smtClean="0"/>
+              <a:t>These are very similar, and they are supposed to,</a:t>
+            </a:r>
+          </a:p>
+          <a:p>
+            <a:pPr marL="0" marR="0" indent="0" algn="l" defTabSz="457200" rtl="0" eaLnBrk="1" fontAlgn="auto" latinLnBrk="0" hangingPunct="1">
+              <a:lnSpc>
+                <a:spcPct val="100000"/>
+              </a:lnSpc>
+              <a:spcBef>
+                <a:spcPts val="0"/>
+              </a:spcBef>
+              <a:spcAft>
+                <a:spcPts val="0"/>
+              </a:spcAft>
+              <a:buClrTx/>
+              <a:buSzTx/>
+              <a:buFontTx/>
+              <a:buNone/>
+              <a:tabLst/>
+              <a:defRPr/>
+            </a:pPr>
+            <a:r>
+              <a:rPr lang="en-US" dirty="0" smtClean="0"/>
+              <a:t>But differences</a:t>
+            </a:r>
+            <a:r>
+              <a:rPr lang="en-US" baseline="0" dirty="0" smtClean="0"/>
+              <a:t> reflect the different year effects from each sex.</a:t>
+            </a:r>
+            <a:endParaRPr lang="en-US" dirty="0" smtClean="0"/>
+          </a:p>
+          <a:p>
+            <a:endParaRPr lang="en-US" dirty="0"/>
+          </a:p>
+        </p:txBody>
+      </p:sp>
+      <p:sp>
+        <p:nvSpPr>
+          <p:cNvPr id="4" name="Slide Number Placeholder 3"/>
+          <p:cNvSpPr>
+            <a:spLocks noGrp="1"/>
+          </p:cNvSpPr>
+          <p:nvPr>
+            <p:ph type="sldNum" sz="quarter" idx="10"/>
+          </p:nvPr>
+        </p:nvSpPr>
+        <p:spPr/>
+        <p:txBody>
+          <a:bodyPr/>
+          <a:lstStyle/>
+          <a:p>
+            <a:fld id="{9CAE947A-4681-AE4E-B108-76091BED1CFD}" type="slidenum">
+              <a:rPr lang="en-US" smtClean="0"/>
+              <a:t>15</a:t>
+            </a:fld>
+            <a:endParaRPr lang="en-US"/>
+          </a:p>
+        </p:txBody>
+      </p:sp>
+    </p:spTree>
+    <p:extLst>
+      <p:ext uri="{BB962C8B-B14F-4D97-AF65-F5344CB8AC3E}">
+        <p14:creationId xmlns:p14="http://schemas.microsoft.com/office/powerpoint/2010/main" val="604986966"/>
+      </p:ext>
+    </p:extLst>
+  </p:cSld>
+  <p:clrMapOvr>
+    <a:masterClrMapping/>
+  </p:clrMapOvr>
+</p:notes>
+</file>
+
+<file path=ppt/notesSlides/notesSlide6.xml><?xml version="1.0" encoding="utf-8"?>
+<p:notes xmlns:a="http://schemas.openxmlformats.org/drawingml/2006/main" xmlns:r="http://schemas.openxmlformats.org/officeDocument/2006/relationships" xmlns:p="http://schemas.openxmlformats.org/presentationml/2006/main">
+  <p:cSld>
+    <p:spTree>
+      <p:nvGrpSpPr>
+        <p:cNvPr id="1" name=""/>
+        <p:cNvGrpSpPr/>
+        <p:nvPr/>
+      </p:nvGrpSpPr>
+      <p:grpSpPr>
+        <a:xfrm>
+          <a:off x="0" y="0"/>
+          <a:ext cx="0" cy="0"/>
+          <a:chOff x="0" y="0"/>
+          <a:chExt cx="0" cy="0"/>
+        </a:xfrm>
+      </p:grpSpPr>
+      <p:sp>
+        <p:nvSpPr>
+          <p:cNvPr id="2" name="Slide Image Placeholder 1"/>
+          <p:cNvSpPr>
+            <a:spLocks noGrp="1" noRot="1" noChangeAspect="1"/>
+          </p:cNvSpPr>
+          <p:nvPr>
+            <p:ph type="sldImg"/>
+          </p:nvPr>
+        </p:nvSpPr>
+        <p:spPr/>
+      </p:sp>
+      <p:sp>
+        <p:nvSpPr>
+          <p:cNvPr id="3" name="Notes Placeholder 2"/>
+          <p:cNvSpPr>
+            <a:spLocks noGrp="1"/>
+          </p:cNvSpPr>
+          <p:nvPr>
+            <p:ph type="body" idx="1"/>
+          </p:nvPr>
+        </p:nvSpPr>
+        <p:spPr/>
+        <p:txBody>
+          <a:bodyPr/>
+          <a:lstStyle/>
+          <a:p>
             <a:endParaRPr lang="en-US" dirty="0"/>
           </a:p>
         </p:txBody>
@@ -1520,7 +1743,7 @@
 </p:notes>
 </file>
 
-<file path=ppt/notesSlides/notesSlide6.xml><?xml version="1.0" encoding="utf-8"?>
+<file path=ppt/notesSlides/notesSlide7.xml><?xml version="1.0" encoding="utf-8"?>
 <p:notes xmlns:a="http://schemas.openxmlformats.org/drawingml/2006/main" xmlns:r="http://schemas.openxmlformats.org/officeDocument/2006/relationships" xmlns:p="http://schemas.openxmlformats.org/presentationml/2006/main">
   <p:cSld>
     <p:spTree>
@@ -1839,7 +2062,7 @@
           <a:p>
             <a:fld id="{D140825E-4A15-4D39-8176-1F07E904CB30}" type="datetimeFigureOut">
               <a:rPr lang="en-US" smtClean="0"/>
-              <a:t>21-02-03</a:t>
+              <a:t>21-02-10</a:t>
             </a:fld>
             <a:endParaRPr lang="en-US"/>
           </a:p>
@@ -1930,7 +2153,7 @@
           <a:p>
             <a:fld id="{4E1ECE06-1F59-BD45-8BF4-D8B6A5912696}" type="datetimeFigureOut">
               <a:rPr lang="en-US" smtClean="0"/>
-              <a:t>21-02-03</a:t>
+              <a:t>21-02-10</a:t>
             </a:fld>
             <a:endParaRPr lang="en-US"/>
           </a:p>
@@ -2233,7 +2456,7 @@
           <a:p>
             <a:fld id="{4E1ECE06-1F59-BD45-8BF4-D8B6A5912696}" type="datetimeFigureOut">
               <a:rPr lang="en-US" smtClean="0"/>
-              <a:t>21-02-03</a:t>
+              <a:t>21-02-10</a:t>
             </a:fld>
             <a:endParaRPr lang="en-US"/>
           </a:p>
@@ -2454,7 +2677,7 @@
           <a:p>
             <a:fld id="{4E1ECE06-1F59-BD45-8BF4-D8B6A5912696}" type="datetimeFigureOut">
               <a:rPr lang="en-US" smtClean="0"/>
-              <a:t>21-02-03</a:t>
+              <a:t>21-02-10</a:t>
             </a:fld>
             <a:endParaRPr lang="en-US"/>
           </a:p>
@@ -2842,7 +3065,7 @@
           <a:p>
             <a:fld id="{4E1ECE06-1F59-BD45-8BF4-D8B6A5912696}" type="datetimeFigureOut">
               <a:rPr lang="en-US" smtClean="0"/>
-              <a:t>21-02-03</a:t>
+              <a:t>21-02-10</a:t>
             </a:fld>
             <a:endParaRPr lang="en-US"/>
           </a:p>
@@ -3150,7 +3373,7 @@
           <a:p>
             <a:fld id="{4E1ECE06-1F59-BD45-8BF4-D8B6A5912696}" type="datetimeFigureOut">
               <a:rPr lang="en-US" smtClean="0"/>
-              <a:t>21-02-03</a:t>
+              <a:t>21-02-10</a:t>
             </a:fld>
             <a:endParaRPr lang="en-US"/>
           </a:p>
@@ -3348,7 +3571,7 @@
           <a:p>
             <a:fld id="{4E1ECE06-1F59-BD45-8BF4-D8B6A5912696}" type="datetimeFigureOut">
               <a:rPr lang="en-US" smtClean="0"/>
-              <a:t>21-02-03</a:t>
+              <a:t>21-02-10</a:t>
             </a:fld>
             <a:endParaRPr lang="en-US"/>
           </a:p>
@@ -3551,7 +3774,7 @@
           <a:p>
             <a:fld id="{4E1ECE06-1F59-BD45-8BF4-D8B6A5912696}" type="datetimeFigureOut">
               <a:rPr lang="en-US" smtClean="0"/>
-              <a:t>21-02-03</a:t>
+              <a:t>21-02-10</a:t>
             </a:fld>
             <a:endParaRPr lang="en-US"/>
           </a:p>
@@ -3744,7 +3967,7 @@
           <a:p>
             <a:fld id="{4E1ECE06-1F59-BD45-8BF4-D8B6A5912696}" type="datetimeFigureOut">
               <a:rPr lang="en-US" smtClean="0"/>
-              <a:t>21-02-03</a:t>
+              <a:t>21-02-10</a:t>
             </a:fld>
             <a:endParaRPr lang="en-US"/>
           </a:p>
@@ -4016,7 +4239,7 @@
           <a:p>
             <a:fld id="{D140825E-4A15-4D39-8176-1F07E904CB30}" type="datetimeFigureOut">
               <a:rPr lang="en-US" smtClean="0"/>
-              <a:t>21-02-03</a:t>
+              <a:t>21-02-10</a:t>
             </a:fld>
             <a:endParaRPr lang="en-US"/>
           </a:p>
@@ -4327,7 +4550,7 @@
           <a:p>
             <a:fld id="{4E1ECE06-1F59-BD45-8BF4-D8B6A5912696}" type="datetimeFigureOut">
               <a:rPr lang="en-US" smtClean="0"/>
-              <a:t>21-02-03</a:t>
+              <a:t>21-02-10</a:t>
             </a:fld>
             <a:endParaRPr lang="en-US"/>
           </a:p>
@@ -4793,7 +5016,7 @@
           <a:p>
             <a:fld id="{4E1ECE06-1F59-BD45-8BF4-D8B6A5912696}" type="datetimeFigureOut">
               <a:rPr lang="en-US" smtClean="0"/>
-              <a:t>21-02-03</a:t>
+              <a:t>21-02-10</a:t>
             </a:fld>
             <a:endParaRPr lang="en-US"/>
           </a:p>
@@ -5157,7 +5380,7 @@
           <a:p>
             <a:fld id="{4E1ECE06-1F59-BD45-8BF4-D8B6A5912696}" type="datetimeFigureOut">
               <a:rPr lang="en-US" smtClean="0"/>
-              <a:t>21-02-03</a:t>
+              <a:t>21-02-10</a:t>
             </a:fld>
             <a:endParaRPr lang="en-US"/>
           </a:p>
@@ -5468,7 +5691,7 @@
           <a:p>
             <a:fld id="{4E1ECE06-1F59-BD45-8BF4-D8B6A5912696}" type="datetimeFigureOut">
               <a:rPr lang="en-US" smtClean="0"/>
-              <a:t>21-02-03</a:t>
+              <a:t>21-02-10</a:t>
             </a:fld>
             <a:endParaRPr lang="en-US"/>
           </a:p>
@@ -5779,7 +6002,7 @@
           <a:p>
             <a:fld id="{4E1ECE06-1F59-BD45-8BF4-D8B6A5912696}" type="datetimeFigureOut">
               <a:rPr lang="en-US" smtClean="0"/>
-              <a:t>21-02-03</a:t>
+              <a:t>21-02-10</a:t>
             </a:fld>
             <a:endParaRPr lang="en-US"/>
           </a:p>
@@ -6264,7 +6487,7 @@
           <a:p>
             <a:fld id="{4E1ECE06-1F59-BD45-8BF4-D8B6A5912696}" type="datetimeFigureOut">
               <a:rPr lang="en-US" smtClean="0"/>
-              <a:t>21-02-03</a:t>
+              <a:t>21-02-10</a:t>
             </a:fld>
             <a:endParaRPr lang="en-US"/>
           </a:p>
@@ -6527,7 +6750,7 @@
           <a:p>
             <a:fld id="{4E1ECE06-1F59-BD45-8BF4-D8B6A5912696}" type="datetimeFigureOut">
               <a:rPr lang="en-US" smtClean="0"/>
-              <a:t>21-02-03</a:t>
+              <a:t>21-02-10</a:t>
             </a:fld>
             <a:endParaRPr lang="en-US"/>
           </a:p>
@@ -7061,7 +7284,7 @@
           <a:graphicData uri="http://schemas.openxmlformats.org/presentationml/2006/ole">
             <mc:AlternateContent xmlns:mc="http://schemas.openxmlformats.org/markup-compatibility/2006">
               <mc:Choice xmlns:v="urn:schemas-microsoft-com:vml" Requires="v">
-                <p:oleObj spid="_x0000_s1382" name="Document" r:id="rId3" imgW="5943600" imgH="1257300" progId="Word.Document.12">
+                <p:oleObj spid="_x0000_s1391" name="Document" r:id="rId3" imgW="5943600" imgH="1257300" progId="Word.Document.12">
                   <p:embed/>
                 </p:oleObj>
               </mc:Choice>
@@ -7156,7 +7379,7 @@
           <a:graphicData uri="http://schemas.openxmlformats.org/presentationml/2006/ole">
             <mc:AlternateContent xmlns:mc="http://schemas.openxmlformats.org/markup-compatibility/2006">
               <mc:Choice xmlns:v="urn:schemas-microsoft-com:vml" Requires="v">
-                <p:oleObj spid="_x0000_s1383" name="Document" r:id="rId5" imgW="5943600" imgH="584200" progId="Word.Document.12">
+                <p:oleObj spid="_x0000_s1392" name="Document" r:id="rId5" imgW="5943600" imgH="584200" progId="Word.Document.12">
                   <p:embed/>
                 </p:oleObj>
               </mc:Choice>
@@ -7213,7 +7436,7 @@
           <a:graphicData uri="http://schemas.openxmlformats.org/presentationml/2006/ole">
             <mc:AlternateContent xmlns:mc="http://schemas.openxmlformats.org/markup-compatibility/2006">
               <mc:Choice xmlns:v="urn:schemas-microsoft-com:vml" Requires="v">
-                <p:oleObj spid="_x0000_s1384" name="Document" r:id="rId7" imgW="5943600" imgH="584200" progId="Word.Document.12">
+                <p:oleObj spid="_x0000_s1393" name="Document" r:id="rId7" imgW="5943600" imgH="584200" progId="Word.Document.12">
                   <p:embed/>
                 </p:oleObj>
               </mc:Choice>
@@ -7270,7 +7493,7 @@
           <a:graphicData uri="http://schemas.openxmlformats.org/presentationml/2006/ole">
             <mc:AlternateContent xmlns:mc="http://schemas.openxmlformats.org/markup-compatibility/2006">
               <mc:Choice xmlns:v="urn:schemas-microsoft-com:vml" Requires="v">
-                <p:oleObj spid="_x0000_s1385" name="Document" r:id="rId9" imgW="5943600" imgH="571500" progId="Word.Document.12">
+                <p:oleObj spid="_x0000_s1394" name="Document" r:id="rId9" imgW="5943600" imgH="571500" progId="Word.Document.12">
                   <p:embed/>
                 </p:oleObj>
               </mc:Choice>
@@ -7468,7 +7691,7 @@
           <a:graphicData uri="http://schemas.openxmlformats.org/presentationml/2006/ole">
             <mc:AlternateContent xmlns:mc="http://schemas.openxmlformats.org/markup-compatibility/2006">
               <mc:Choice xmlns:v="urn:schemas-microsoft-com:vml" Requires="v">
-                <p:oleObj spid="_x0000_s2312" name="Document" r:id="rId3" imgW="5943600" imgH="571500" progId="Word.Document.12">
+                <p:oleObj spid="_x0000_s2319" name="Document" r:id="rId3" imgW="5943600" imgH="571500" progId="Word.Document.12">
                   <p:embed/>
                 </p:oleObj>
               </mc:Choice>
@@ -7563,7 +7786,7 @@
           <a:graphicData uri="http://schemas.openxmlformats.org/presentationml/2006/ole">
             <mc:AlternateContent xmlns:mc="http://schemas.openxmlformats.org/markup-compatibility/2006">
               <mc:Choice xmlns:v="urn:schemas-microsoft-com:vml" Requires="v">
-                <p:oleObj spid="_x0000_s2313" name="Document" r:id="rId5" imgW="5943600" imgH="1282700" progId="Word.Document.12">
+                <p:oleObj spid="_x0000_s2320" name="Document" r:id="rId5" imgW="5943600" imgH="1282700" progId="Word.Document.12">
                   <p:embed/>
                 </p:oleObj>
               </mc:Choice>
@@ -7658,7 +7881,7 @@
           <a:graphicData uri="http://schemas.openxmlformats.org/presentationml/2006/ole">
             <mc:AlternateContent xmlns:mc="http://schemas.openxmlformats.org/markup-compatibility/2006">
               <mc:Choice xmlns:v="urn:schemas-microsoft-com:vml" Requires="v">
-                <p:oleObj spid="_x0000_s2314" name="Document" r:id="rId7" imgW="5943600" imgH="304800" progId="Word.Document.12">
+                <p:oleObj spid="_x0000_s2321" name="Document" r:id="rId7" imgW="5943600" imgH="304800" progId="Word.Document.12">
                   <p:embed/>
                 </p:oleObj>
               </mc:Choice>
@@ -7790,15 +8013,7 @@
           <a:p>
             <a:r>
               <a:rPr lang="en-US" sz="3200" b="1" dirty="0" smtClean="0"/>
-              <a:t>Survey size</a:t>
-            </a:r>
-            <a:r>
-              <a:rPr lang="en-US" sz="3200" b="1" dirty="0" smtClean="0"/>
-              <a:t>-</a:t>
-            </a:r>
-            <a:r>
-              <a:rPr lang="en-US" sz="3200" b="1" dirty="0" smtClean="0"/>
-              <a:t>frequencies: females</a:t>
+              <a:t>Survey size-frequencies: females</a:t>
             </a:r>
             <a:endParaRPr lang="en-US" sz="3200" b="1" dirty="0"/>
           </a:p>
@@ -7864,15 +8079,7 @@
                   <a:srgbClr val="FFFFFF"/>
                 </a:solidFill>
               </a:rPr>
-              <a:t>Estimated survey size-structured abundance for immature and adolescent (red lines) and new mature recruits (green lines) and total mature female snow crab (blue lines). Observed size-frequencies are shown as jagged lines following the same colour scheme.</a:t>
-            </a:r>
-            <a:r>
-              <a:rPr lang="en-CA" sz="1400" dirty="0">
-                <a:solidFill>
-                  <a:srgbClr val="FFFFFF"/>
-                </a:solidFill>
-              </a:rPr>
-              <a:t> </a:t>
+              <a:t>Estimated survey size-structured abundance for immature and adolescent (red lines) and new mature recruits (green lines) and total mature female snow crab (blue lines). Observed size-frequencies are shown as jagged lines following the same colour scheme. </a:t>
             </a:r>
             <a:endParaRPr lang="en-US" sz="1400" dirty="0">
               <a:solidFill>
@@ -7941,15 +8148,7 @@
           <a:p>
             <a:r>
               <a:rPr lang="en-US" sz="3200" b="1" dirty="0" smtClean="0"/>
-              <a:t>Survey size</a:t>
-            </a:r>
-            <a:r>
-              <a:rPr lang="en-US" sz="3200" b="1" dirty="0" smtClean="0"/>
-              <a:t>-</a:t>
-            </a:r>
-            <a:r>
-              <a:rPr lang="en-US" sz="3200" b="1" dirty="0" smtClean="0"/>
-              <a:t>frequencies: males</a:t>
+              <a:t>Survey size-frequencies: males</a:t>
             </a:r>
             <a:endParaRPr lang="en-US" sz="3200" b="1" dirty="0"/>
           </a:p>
@@ -8017,7 +8216,7 @@
             <p:nvPr/>
           </p:nvPicPr>
           <p:blipFill>
-            <a:blip r:embed="rId2">
+            <a:blip r:embed="rId3">
               <a:extLst>
                 <a:ext uri="{28A0092B-C50C-407E-A947-70E740481C1C}">
                   <a14:useLocalDpi xmlns:a14="http://schemas.microsoft.com/office/drawing/2010/main" val="0"/>
@@ -8087,15 +8286,7 @@
                   <a:srgbClr val="FFFFFF"/>
                 </a:solidFill>
               </a:rPr>
-              <a:t>snow crab (blue lines). Observed size-frequencies are shown as jagged lines following the same colour scheme.</a:t>
-            </a:r>
-            <a:r>
-              <a:rPr lang="en-CA" sz="1400" dirty="0">
-                <a:solidFill>
-                  <a:srgbClr val="FFFFFF"/>
-                </a:solidFill>
-              </a:rPr>
-              <a:t> </a:t>
+              <a:t>snow crab (blue lines). Observed size-frequencies are shown as jagged lines following the same colour scheme. </a:t>
             </a:r>
             <a:endParaRPr lang="en-US" sz="1400" dirty="0">
               <a:solidFill>
@@ -8657,20 +8848,11 @@
               <a:rPr lang="en-US" sz="2400" dirty="0" smtClean="0"/>
               <a:t>Errors tend to propagate through time, i.e. overall trends may be unreliable, i.e. they may drift off.</a:t>
             </a:r>
-            <a:endParaRPr lang="en-US" sz="2400" dirty="0" smtClean="0"/>
           </a:p>
           <a:p>
             <a:r>
               <a:rPr lang="en-US" sz="2400" dirty="0" smtClean="0"/>
-              <a:t>Instars IV</a:t>
-            </a:r>
-            <a:r>
-              <a:rPr lang="en-US" sz="2400" dirty="0" smtClean="0"/>
-              <a:t>-VIII </a:t>
-            </a:r>
-            <a:r>
-              <a:rPr lang="en-US" sz="2400" dirty="0" smtClean="0"/>
-              <a:t>can </a:t>
+              <a:t>Instars IV-VIII can </a:t>
             </a:r>
             <a:r>
               <a:rPr lang="en-US" sz="2400" dirty="0" err="1" smtClean="0"/>
@@ -8684,19 +8866,7 @@
           <a:p>
             <a:r>
               <a:rPr lang="en-US" sz="2400" dirty="0" smtClean="0"/>
-              <a:t>Mortality </a:t>
-            </a:r>
-            <a:r>
-              <a:rPr lang="en-US" sz="2400" dirty="0" smtClean="0"/>
-              <a:t>treated as constant through </a:t>
-            </a:r>
-            <a:r>
-              <a:rPr lang="en-US" sz="2400" dirty="0" smtClean="0"/>
-              <a:t>time</a:t>
-            </a:r>
-            <a:r>
-              <a:rPr lang="en-US" sz="2400" dirty="0" smtClean="0"/>
-              <a:t>.</a:t>
+              <a:t>Mortality treated as constant through time.</a:t>
             </a:r>
           </a:p>
           <a:p>
@@ -8830,35 +9000,19 @@
           <a:p>
             <a:r>
               <a:rPr lang="en-US" sz="2400" dirty="0" smtClean="0"/>
-              <a:t>Standardize </a:t>
-            </a:r>
+              <a:t>Standardize abundance or biomass indices (retroactive).</a:t>
+            </a:r>
+          </a:p>
+          <a:p>
             <a:r>
               <a:rPr lang="en-US" sz="2400" dirty="0" smtClean="0"/>
-              <a:t>abundance or biomass indices (retroactive).</a:t>
+              <a:t>Estimate temporal variation in growth.</a:t>
             </a:r>
           </a:p>
           <a:p>
             <a:r>
               <a:rPr lang="en-US" sz="2400" dirty="0" smtClean="0"/>
-              <a:t>Estimate temporal </a:t>
-            </a:r>
-            <a:r>
-              <a:rPr lang="en-US" sz="2400" dirty="0" smtClean="0"/>
-              <a:t>variation in g</a:t>
-            </a:r>
-            <a:r>
-              <a:rPr lang="en-US" sz="2400" dirty="0" smtClean="0"/>
-              <a:t>rowth.</a:t>
-            </a:r>
-          </a:p>
-          <a:p>
-            <a:r>
-              <a:rPr lang="en-US" sz="2400" dirty="0" smtClean="0"/>
-              <a:t>Explore link between changes in population processes and environmental </a:t>
-            </a:r>
-            <a:r>
-              <a:rPr lang="en-US" sz="2400" dirty="0" smtClean="0"/>
-              <a:t>changes.</a:t>
+              <a:t>Explore link between changes in population processes and environmental changes.</a:t>
             </a:r>
           </a:p>
           <a:p>
@@ -8980,7 +9134,6 @@
               <a:rPr lang="en-US" dirty="0" smtClean="0"/>
               <a:t> direct comparison of year effects between widely separated years should be done with caution.</a:t>
             </a:r>
-            <a:endParaRPr lang="en-US" dirty="0" smtClean="0"/>
           </a:p>
           <a:p>
             <a:r>
@@ -9247,11 +9400,7 @@
             <a:pPr lvl="1"/>
             <a:r>
               <a:rPr lang="en-US" dirty="0" smtClean="0"/>
-              <a:t>Incorporate skip</a:t>
-            </a:r>
-            <a:r>
-              <a:rPr lang="en-US" dirty="0" smtClean="0"/>
-              <a:t>-</a:t>
+              <a:t>Incorporate skip-</a:t>
             </a:r>
             <a:r>
               <a:rPr lang="en-US" dirty="0" err="1" smtClean="0"/>
@@ -9263,17 +9412,8 @@
             <a:pPr lvl="1"/>
             <a:r>
               <a:rPr lang="en-US" dirty="0" smtClean="0"/>
-              <a:t>Improve </a:t>
-            </a:r>
-            <a:r>
-              <a:rPr lang="en-US" dirty="0" smtClean="0"/>
-              <a:t>characterization of </a:t>
-            </a:r>
-            <a:r>
-              <a:rPr lang="en-US" dirty="0" smtClean="0"/>
-              <a:t>fishery recruitment</a:t>
-            </a:r>
-            <a:endParaRPr lang="en-US" dirty="0" smtClean="0"/>
+              <a:t>Improve characterization of fishery recruitment</a:t>
+            </a:r>
           </a:p>
           <a:p>
             <a:pPr lvl="1"/>
@@ -9346,15 +9486,7 @@
             <a:pPr lvl="1"/>
             <a:r>
               <a:rPr lang="en-US" dirty="0" smtClean="0"/>
-              <a:t>Separate commercial crab mortality into </a:t>
-            </a:r>
-            <a:r>
-              <a:rPr lang="en-US" dirty="0" smtClean="0"/>
-              <a:t>natural mortality, discard mortality and fishing mortality</a:t>
-            </a:r>
-            <a:r>
-              <a:rPr lang="en-US" dirty="0" smtClean="0"/>
-              <a:t>.</a:t>
+              <a:t>Separate commercial crab mortality into natural mortality, discard mortality and fishing mortality.</a:t>
             </a:r>
           </a:p>
           <a:p>
@@ -11439,7 +11571,6 @@
               <a:rPr lang="en-US" dirty="0" smtClean="0"/>
               <a:t>Size, instar and year-based effects:</a:t>
             </a:r>
-            <a:endParaRPr lang="en-US" dirty="0" smtClean="0"/>
           </a:p>
           <a:p>
             <a:r>
@@ -11512,11 +11643,7 @@
             <a:pPr lvl="1"/>
             <a:r>
               <a:rPr lang="en-US" dirty="0" smtClean="0"/>
-              <a:t>Fishery </a:t>
-            </a:r>
-            <a:r>
-              <a:rPr lang="en-US" dirty="0" smtClean="0"/>
-              <a:t>removals</a:t>
+              <a:t>Fishery removals</a:t>
             </a:r>
           </a:p>
           <a:p>
@@ -11532,7 +11659,6 @@
               <a:rPr lang="en-US" dirty="0" smtClean="0"/>
               <a:t>).</a:t>
             </a:r>
-            <a:endParaRPr lang="en-US" dirty="0" smtClean="0"/>
           </a:p>
           <a:p>
             <a:pPr lvl="1"/>
